--- a/dentaku.pptx
+++ b/dentaku.pptx
@@ -10,7 +10,11 @@
     <p:sldId id="258" r:id="rId4"/>
     <p:sldId id="259" r:id="rId5"/>
     <p:sldId id="260" r:id="rId6"/>
-    <p:sldId id="261" r:id="rId7"/>
+    <p:sldId id="262" r:id="rId7"/>
+    <p:sldId id="263" r:id="rId8"/>
+    <p:sldId id="264" r:id="rId9"/>
+    <p:sldId id="265" r:id="rId10"/>
+    <p:sldId id="261" r:id="rId11"/>
   </p:sldIdLst>
   <p:sldSz cx="12192000" cy="6858000"/>
   <p:notesSz cx="6858000" cy="9144000"/>
@@ -109,6 +113,11 @@
       </a:defRPr>
     </a:lvl9pPr>
   </p:defaultTextStyle>
+  <p:extLst>
+    <p:ext uri="{EFAFB233-063F-42B5-8137-9DF3F51BA10A}">
+      <p15:sldGuideLst xmlns:p15="http://schemas.microsoft.com/office/powerpoint/2012/main"/>
+    </p:ext>
+  </p:extLst>
 </p:presentation>
 </file>
 
@@ -3635,7 +3644,10 @@
           <a:bodyPr/>
           <a:lstStyle/>
           <a:p>
-            <a:endParaRPr kumimoji="1" lang="ja-JP" altLang="en-US" dirty="0"/>
+            <a:r>
+              <a:rPr kumimoji="1" lang="ja-JP" altLang="en-US" dirty="0"/>
+              <a:t>ウェブアプリケーション「電卓」</a:t>
+            </a:r>
           </a:p>
         </p:txBody>
       </p:sp>
@@ -3655,7 +3667,12 @@
             <p:ph type="subTitle" idx="1"/>
           </p:nvPr>
         </p:nvSpPr>
-        <p:spPr/>
+        <p:spPr>
+          <a:xfrm>
+            <a:off x="1524000" y="4005390"/>
+            <a:ext cx="9144000" cy="1655762"/>
+          </a:xfrm>
+        </p:spPr>
         <p:txBody>
           <a:bodyPr/>
           <a:lstStyle/>
@@ -3727,6 +3744,89 @@
     <p:extLst>
       <p:ext uri="{BB962C8B-B14F-4D97-AF65-F5344CB8AC3E}">
         <p14:creationId xmlns:p14="http://schemas.microsoft.com/office/powerpoint/2010/main" val="4060580130"/>
+      </p:ext>
+    </p:extLst>
+  </p:cSld>
+  <p:clrMapOvr>
+    <a:masterClrMapping/>
+  </p:clrMapOvr>
+</p:sld>
+</file>
+
+<file path=ppt/slides/slide10.xml><?xml version="1.0" encoding="utf-8"?>
+<p:sld xmlns:a="http://schemas.openxmlformats.org/drawingml/2006/main" xmlns:r="http://schemas.openxmlformats.org/officeDocument/2006/relationships" xmlns:p="http://schemas.openxmlformats.org/presentationml/2006/main">
+  <p:cSld>
+    <p:spTree>
+      <p:nvGrpSpPr>
+        <p:cNvPr id="1" name=""/>
+        <p:cNvGrpSpPr/>
+        <p:nvPr/>
+      </p:nvGrpSpPr>
+      <p:grpSpPr>
+        <a:xfrm>
+          <a:off x="0" y="0"/>
+          <a:ext cx="0" cy="0"/>
+          <a:chOff x="0" y="0"/>
+          <a:chExt cx="0" cy="0"/>
+        </a:xfrm>
+      </p:grpSpPr>
+      <p:sp>
+        <p:nvSpPr>
+          <p:cNvPr id="2" name="タイトル 1">
+            <a:extLst>
+              <a:ext uri="{FF2B5EF4-FFF2-40B4-BE49-F238E27FC236}">
+                <a16:creationId xmlns:a16="http://schemas.microsoft.com/office/drawing/2014/main" id="{D994610A-1FFA-4C80-9F85-F36EB53C39D5}"/>
+              </a:ext>
+            </a:extLst>
+          </p:cNvPr>
+          <p:cNvSpPr>
+            <a:spLocks noGrp="1"/>
+          </p:cNvSpPr>
+          <p:nvPr>
+            <p:ph type="title"/>
+          </p:nvPr>
+        </p:nvSpPr>
+        <p:spPr/>
+        <p:txBody>
+          <a:bodyPr/>
+          <a:lstStyle/>
+          <a:p>
+            <a:r>
+              <a:rPr kumimoji="1" lang="ja-JP" altLang="en-US" dirty="0"/>
+              <a:t>感想</a:t>
+            </a:r>
+          </a:p>
+        </p:txBody>
+      </p:sp>
+      <p:sp>
+        <p:nvSpPr>
+          <p:cNvPr id="3" name="コンテンツ プレースホルダー 2">
+            <a:extLst>
+              <a:ext uri="{FF2B5EF4-FFF2-40B4-BE49-F238E27FC236}">
+                <a16:creationId xmlns:a16="http://schemas.microsoft.com/office/drawing/2014/main" id="{01E6ED24-9FA9-4647-8A18-F9C438BBDF46}"/>
+              </a:ext>
+            </a:extLst>
+          </p:cNvPr>
+          <p:cNvSpPr>
+            <a:spLocks noGrp="1"/>
+          </p:cNvSpPr>
+          <p:nvPr>
+            <p:ph idx="1"/>
+          </p:nvPr>
+        </p:nvSpPr>
+        <p:spPr/>
+        <p:txBody>
+          <a:bodyPr/>
+          <a:lstStyle/>
+          <a:p>
+            <a:endParaRPr kumimoji="1" lang="ja-JP" altLang="en-US"/>
+          </a:p>
+        </p:txBody>
+      </p:sp>
+    </p:spTree>
+    <p:extLst>
+      <p:ext uri="{BB962C8B-B14F-4D97-AF65-F5344CB8AC3E}">
+        <p14:creationId xmlns:p14="http://schemas.microsoft.com/office/powerpoint/2010/main" val="680256728"/>
       </p:ext>
     </p:extLst>
   </p:cSld>
@@ -3797,18 +3897,19 @@
             <p:ph idx="1"/>
           </p:nvPr>
         </p:nvSpPr>
-        <p:spPr/>
+        <p:spPr>
+          <a:xfrm>
+            <a:off x="838200" y="1825625"/>
+            <a:ext cx="10683240" cy="4351338"/>
+          </a:xfrm>
+        </p:spPr>
         <p:txBody>
           <a:bodyPr/>
           <a:lstStyle/>
           <a:p>
             <a:r>
               <a:rPr kumimoji="1" lang="ja-JP" altLang="en-US" dirty="0"/>
-              <a:t>基本的な四則演算、三角</a:t>
-            </a:r>
-            <a:r>
-              <a:rPr kumimoji="1" lang="ja-JP" altLang="en-US"/>
-              <a:t>関数、√</a:t>
+              <a:t>基本的な四則演算、三角関数、√</a:t>
             </a:r>
             <a:r>
               <a:rPr lang="ja-JP" altLang="en-US" dirty="0"/>
@@ -3820,9 +3921,154 @@
             </a:r>
             <a:r>
               <a:rPr kumimoji="1" lang="ja-JP" altLang="en-US" dirty="0"/>
-              <a:t>の計算が行える電卓を作った</a:t>
+              <a:t>（</a:t>
+            </a:r>
+            <a:r>
+              <a:rPr lang="ja-JP" altLang="en-US" dirty="0"/>
+              <a:t>底</a:t>
+            </a:r>
+            <a:r>
+              <a:rPr lang="en-US" altLang="ja-JP" dirty="0"/>
+              <a:t>10</a:t>
+            </a:r>
+            <a:r>
+              <a:rPr kumimoji="1" lang="ja-JP" altLang="en-US" dirty="0"/>
+              <a:t>）の計算が行える電卓を作った</a:t>
+            </a:r>
+            <a:endParaRPr lang="en-US" altLang="ja-JP" dirty="0"/>
+          </a:p>
+          <a:p>
+            <a:endParaRPr lang="en-US" altLang="ja-JP" dirty="0"/>
+          </a:p>
+          <a:p>
+            <a:r>
+              <a:rPr lang="ja-JP" altLang="en-US" dirty="0"/>
+              <a:t>計算の流れ：</a:t>
+            </a:r>
+            <a:r>
+              <a:rPr kumimoji="1" lang="ja-JP" altLang="en-US" dirty="0"/>
+              <a:t>計算式を入力して、＝ボタンを押すと結果が表示される</a:t>
             </a:r>
             <a:endParaRPr kumimoji="1" lang="en-US" altLang="ja-JP" dirty="0"/>
+          </a:p>
+          <a:p>
+            <a:r>
+              <a:rPr kumimoji="1" lang="en-US" altLang="ja-JP" dirty="0"/>
+              <a:t>C</a:t>
+            </a:r>
+            <a:r>
+              <a:rPr kumimoji="1" lang="ja-JP" altLang="en-US" dirty="0"/>
+              <a:t>ボタンを押すと式を初期化できる</a:t>
+            </a:r>
+            <a:endParaRPr kumimoji="1" lang="en-US" altLang="ja-JP" dirty="0"/>
+          </a:p>
+          <a:p>
+            <a:r>
+              <a:rPr lang="ja-JP" altLang="en-US" dirty="0"/>
+              <a:t>三角関数は</a:t>
+            </a:r>
+            <a:r>
+              <a:rPr lang="en-US" altLang="ja-JP" dirty="0"/>
+              <a:t>sin(</a:t>
+            </a:r>
+            <a:r>
+              <a:rPr lang="ja-JP" altLang="en-US" dirty="0"/>
+              <a:t>式</a:t>
+            </a:r>
+            <a:r>
+              <a:rPr lang="en-US" altLang="ja-JP" dirty="0"/>
+              <a:t>)</a:t>
+            </a:r>
+            <a:r>
+              <a:rPr lang="ja-JP" altLang="en-US" dirty="0" err="1"/>
+              <a:t>、</a:t>
+            </a:r>
+            <a:r>
+              <a:rPr lang="en-US" altLang="ja-JP" dirty="0"/>
+              <a:t>cos(</a:t>
+            </a:r>
+            <a:r>
+              <a:rPr lang="ja-JP" altLang="en-US" dirty="0"/>
+              <a:t>式</a:t>
+            </a:r>
+            <a:r>
+              <a:rPr lang="en-US" altLang="ja-JP" dirty="0"/>
+              <a:t>)</a:t>
+            </a:r>
+            <a:r>
+              <a:rPr lang="ja-JP" altLang="en-US" dirty="0" err="1"/>
+              <a:t>、</a:t>
+            </a:r>
+            <a:r>
+              <a:rPr lang="en-US" altLang="ja-JP" dirty="0"/>
+              <a:t>tan(</a:t>
+            </a:r>
+            <a:r>
+              <a:rPr lang="ja-JP" altLang="en-US" dirty="0"/>
+              <a:t>式</a:t>
+            </a:r>
+            <a:r>
+              <a:rPr lang="en-US" altLang="ja-JP" dirty="0"/>
+              <a:t>)</a:t>
+            </a:r>
+            <a:r>
+              <a:rPr lang="ja-JP" altLang="en-US" dirty="0"/>
+              <a:t>という形式で入力する</a:t>
+            </a:r>
+            <a:endParaRPr lang="en-US" altLang="ja-JP" dirty="0"/>
+          </a:p>
+          <a:p>
+            <a:r>
+              <a:rPr kumimoji="1" lang="ja-JP" altLang="en-US" dirty="0"/>
+              <a:t>√、</a:t>
+            </a:r>
+            <a:r>
+              <a:rPr kumimoji="1" lang="en-US" altLang="ja-JP" dirty="0"/>
+              <a:t>log</a:t>
+            </a:r>
+            <a:r>
+              <a:rPr kumimoji="1" lang="ja-JP" altLang="en-US" dirty="0"/>
+              <a:t>も同様に√</a:t>
+            </a:r>
+            <a:r>
+              <a:rPr kumimoji="1" lang="en-US" altLang="ja-JP" dirty="0"/>
+              <a:t>(</a:t>
+            </a:r>
+            <a:r>
+              <a:rPr kumimoji="1" lang="ja-JP" altLang="en-US" dirty="0"/>
+              <a:t>式</a:t>
+            </a:r>
+            <a:r>
+              <a:rPr kumimoji="1" lang="en-US" altLang="ja-JP" dirty="0"/>
+              <a:t>)</a:t>
+            </a:r>
+            <a:r>
+              <a:rPr kumimoji="1" lang="ja-JP" altLang="en-US" dirty="0" err="1"/>
+              <a:t>、</a:t>
+            </a:r>
+            <a:r>
+              <a:rPr lang="en-US" altLang="ja-JP" dirty="0"/>
+              <a:t> log (</a:t>
+            </a:r>
+            <a:r>
+              <a:rPr lang="ja-JP" altLang="en-US" dirty="0"/>
+              <a:t>式</a:t>
+            </a:r>
+            <a:r>
+              <a:rPr lang="en-US" altLang="ja-JP" dirty="0"/>
+              <a:t>)</a:t>
+            </a:r>
+            <a:r>
+              <a:rPr kumimoji="1" lang="ja-JP" altLang="en-US" dirty="0"/>
+              <a:t>という形式で入力する</a:t>
+            </a:r>
+            <a:endParaRPr kumimoji="1" lang="en-US" altLang="ja-JP" dirty="0"/>
+          </a:p>
+          <a:p>
+            <a:endParaRPr kumimoji="1" lang="en-US" altLang="ja-JP" dirty="0"/>
+          </a:p>
+          <a:p>
+            <a:endParaRPr lang="en-US" altLang="ja-JP" dirty="0"/>
           </a:p>
           <a:p>
             <a:endParaRPr lang="en-US" altLang="ja-JP" dirty="0"/>
@@ -3911,7 +4157,80 @@
           <a:bodyPr/>
           <a:lstStyle/>
           <a:p>
-            <a:endParaRPr kumimoji="1" lang="ja-JP" altLang="en-US"/>
+            <a:r>
+              <a:rPr lang="en-US" altLang="ja-JP" dirty="0" err="1"/>
+              <a:t>javascript</a:t>
+            </a:r>
+            <a:r>
+              <a:rPr lang="ja-JP" altLang="en-US" dirty="0"/>
+              <a:t>によるウェブアプリケーションの関数電卓を実装する。</a:t>
+            </a:r>
+            <a:endParaRPr lang="en-US" altLang="ja-JP" dirty="0"/>
+          </a:p>
+          <a:p>
+            <a:r>
+              <a:rPr lang="ja-JP" altLang="en-US" dirty="0"/>
+              <a:t>アプリケーション上の指定のボタンをクリックすることにより電卓を動作させるようにする。</a:t>
+            </a:r>
+            <a:endParaRPr lang="en-US" altLang="ja-JP" dirty="0"/>
+          </a:p>
+          <a:p>
+            <a:r>
+              <a:rPr lang="ja-JP" altLang="en-US" dirty="0"/>
+              <a:t>電卓の機能は四則演算、イコールボタン</a:t>
+            </a:r>
+            <a:r>
+              <a:rPr lang="en-US" altLang="ja-JP" dirty="0"/>
+              <a:t>(</a:t>
+            </a:r>
+            <a:r>
+              <a:rPr lang="ja-JP" altLang="en-US" dirty="0"/>
+              <a:t>＝</a:t>
+            </a:r>
+            <a:r>
+              <a:rPr lang="en-US" altLang="ja-JP" dirty="0"/>
+              <a:t>)</a:t>
+            </a:r>
+            <a:r>
+              <a:rPr lang="ja-JP" altLang="en-US" dirty="0" err="1"/>
+              <a:t>、</a:t>
+            </a:r>
+            <a:r>
+              <a:rPr lang="ja-JP" altLang="en-US" dirty="0"/>
+              <a:t>キャンセルボタン</a:t>
+            </a:r>
+            <a:r>
+              <a:rPr lang="en-US" altLang="ja-JP" dirty="0"/>
+              <a:t>(C)</a:t>
+            </a:r>
+            <a:r>
+              <a:rPr lang="ja-JP" altLang="en-US" dirty="0"/>
+              <a:t>の他に、</a:t>
+            </a:r>
+            <a:r>
+              <a:rPr lang="en-US" altLang="ja-JP" dirty="0"/>
+              <a:t>()</a:t>
+            </a:r>
+            <a:r>
+              <a:rPr lang="ja-JP" altLang="en-US" dirty="0" err="1"/>
+              <a:t>、</a:t>
+            </a:r>
+            <a:r>
+              <a:rPr lang="ja-JP" altLang="en-US" dirty="0"/>
+              <a:t>三角関数、√、</a:t>
+            </a:r>
+            <a:r>
+              <a:rPr lang="en-US" altLang="ja-JP" dirty="0"/>
+              <a:t>log</a:t>
+            </a:r>
+            <a:r>
+              <a:rPr lang="ja-JP" altLang="en-US" dirty="0"/>
+              <a:t>も実装する。</a:t>
+            </a:r>
+            <a:endParaRPr lang="en-US" altLang="ja-JP" dirty="0"/>
+          </a:p>
+          <a:p>
+            <a:endParaRPr kumimoji="1" lang="ja-JP" altLang="en-US" dirty="0"/>
           </a:p>
         </p:txBody>
       </p:sp>
@@ -3989,12 +4308,69 @@
             <p:ph idx="1"/>
           </p:nvPr>
         </p:nvSpPr>
-        <p:spPr/>
-        <p:txBody>
-          <a:bodyPr/>
-          <a:lstStyle/>
-          <a:p>
-            <a:endParaRPr kumimoji="1" lang="ja-JP" altLang="en-US"/>
+        <p:spPr>
+          <a:xfrm>
+            <a:off x="838200" y="1825625"/>
+            <a:ext cx="10774680" cy="4351338"/>
+          </a:xfrm>
+        </p:spPr>
+        <p:txBody>
+          <a:bodyPr/>
+          <a:lstStyle/>
+          <a:p>
+            <a:r>
+              <a:rPr kumimoji="1" lang="ja-JP" altLang="en-US" dirty="0"/>
+              <a:t>参考資料：「</a:t>
+            </a:r>
+            <a:r>
+              <a:rPr lang="en-US" altLang="ja-JP" dirty="0"/>
+              <a:t> </a:t>
+            </a:r>
+            <a:r>
+              <a:rPr lang="ja-JP" altLang="en-US" dirty="0"/>
+              <a:t>言語理論とコンパイラ」第</a:t>
+            </a:r>
+            <a:r>
+              <a:rPr lang="en-US" altLang="ja-JP" dirty="0"/>
+              <a:t>9</a:t>
+            </a:r>
+            <a:r>
+              <a:rPr lang="ja-JP" altLang="en-US" dirty="0"/>
+              <a:t>回目の講義資料</a:t>
+            </a:r>
+            <a:r>
+              <a:rPr lang="en-US" altLang="ja-JP" dirty="0">
+                <a:hlinkClick r:id="rId2"/>
+              </a:rPr>
+              <a:t>https://www.sw.it.aoyama.ac.jp/2018/Compiler/lecture9.html</a:t>
+            </a:r>
+            <a:endParaRPr lang="en-US" altLang="ja-JP" dirty="0"/>
+          </a:p>
+          <a:p>
+            <a:endParaRPr lang="en-US" altLang="ja-JP" dirty="0"/>
+          </a:p>
+          <a:p>
+            <a:r>
+              <a:rPr lang="ja-JP" altLang="en-US" dirty="0"/>
+              <a:t>工夫点：できるだけ三角</a:t>
+            </a:r>
+            <a:r>
+              <a:rPr kumimoji="1" lang="ja-JP" altLang="en-US" dirty="0"/>
+              <a:t>関数、√、</a:t>
+            </a:r>
+            <a:r>
+              <a:rPr kumimoji="1" lang="en-US" altLang="ja-JP" dirty="0"/>
+              <a:t>log</a:t>
+            </a:r>
+            <a:r>
+              <a:rPr kumimoji="1" lang="ja-JP" altLang="en-US" dirty="0"/>
+              <a:t>などの複雑な計算をできるように改良し</a:t>
+            </a:r>
+            <a:r>
+              <a:rPr lang="ja-JP" altLang="en-US" dirty="0"/>
+              <a:t>た</a:t>
+            </a:r>
+            <a:endParaRPr lang="en-US" altLang="ja-JP" dirty="0"/>
           </a:p>
         </p:txBody>
       </p:sp>
@@ -4051,36 +4427,46 @@
           <a:p>
             <a:r>
               <a:rPr kumimoji="1" lang="ja-JP" altLang="en-US" dirty="0"/>
-              <a:t>実行画面</a:t>
-            </a:r>
-          </a:p>
-        </p:txBody>
-      </p:sp>
-      <p:sp>
-        <p:nvSpPr>
-          <p:cNvPr id="3" name="コンテンツ プレースホルダー 2">
-            <a:extLst>
-              <a:ext uri="{FF2B5EF4-FFF2-40B4-BE49-F238E27FC236}">
-                <a16:creationId xmlns:a16="http://schemas.microsoft.com/office/drawing/2014/main" id="{A2FBFA0F-7EAA-4BFC-8BF4-F8DD9551EA16}"/>
-              </a:ext>
-            </a:extLst>
-          </p:cNvPr>
-          <p:cNvSpPr>
-            <a:spLocks noGrp="1"/>
-          </p:cNvSpPr>
+              <a:t>実行画面　初期状態</a:t>
+            </a:r>
+          </a:p>
+        </p:txBody>
+      </p:sp>
+      <p:pic>
+        <p:nvPicPr>
+          <p:cNvPr id="5" name="コンテンツ プレースホルダー 4" descr="スクリーンショット が含まれている画像&#10;&#10;高い精度で生成された説明">
+            <a:extLst>
+              <a:ext uri="{FF2B5EF4-FFF2-40B4-BE49-F238E27FC236}">
+                <a16:creationId xmlns:a16="http://schemas.microsoft.com/office/drawing/2014/main" id="{7F9465A6-D672-4ABF-A372-2E4257B9C4C4}"/>
+              </a:ext>
+            </a:extLst>
+          </p:cNvPr>
+          <p:cNvPicPr>
+            <a:picLocks noGrp="1" noChangeAspect="1"/>
+          </p:cNvPicPr>
           <p:nvPr>
             <p:ph idx="1"/>
           </p:nvPr>
-        </p:nvSpPr>
-        <p:spPr/>
-        <p:txBody>
-          <a:bodyPr/>
-          <a:lstStyle/>
-          <a:p>
-            <a:endParaRPr kumimoji="1" lang="ja-JP" altLang="en-US"/>
-          </a:p>
-        </p:txBody>
-      </p:sp>
+        </p:nvPicPr>
+        <p:blipFill>
+          <a:blip r:embed="rId2">
+            <a:extLst>
+              <a:ext uri="{28A0092B-C50C-407E-A947-70E740481C1C}">
+                <a14:useLocalDpi xmlns:a14="http://schemas.microsoft.com/office/drawing/2010/main" val="0"/>
+              </a:ext>
+            </a:extLst>
+          </a:blip>
+          <a:stretch>
+            <a:fillRect/>
+          </a:stretch>
+        </p:blipFill>
+        <p:spPr>
+          <a:xfrm>
+            <a:off x="3795712" y="1690688"/>
+            <a:ext cx="4600575" cy="4276725"/>
+          </a:xfrm>
+        </p:spPr>
+      </p:pic>
     </p:spTree>
     <p:extLst>
       <p:ext uri="{BB962C8B-B14F-4D97-AF65-F5344CB8AC3E}">
@@ -4116,7 +4502,7 @@
           <p:cNvPr id="2" name="タイトル 1">
             <a:extLst>
               <a:ext uri="{FF2B5EF4-FFF2-40B4-BE49-F238E27FC236}">
-                <a16:creationId xmlns:a16="http://schemas.microsoft.com/office/drawing/2014/main" id="{D994610A-1FFA-4C80-9F85-F36EB53C39D5}"/>
+                <a16:creationId xmlns:a16="http://schemas.microsoft.com/office/drawing/2014/main" id="{958E1517-DD58-4266-8827-9AB2E07AA2BE}"/>
               </a:ext>
             </a:extLst>
           </p:cNvPr>
@@ -4133,41 +4519,708 @@
           <a:lstStyle/>
           <a:p>
             <a:r>
-              <a:rPr kumimoji="1" lang="ja-JP" altLang="en-US" dirty="0"/>
-              <a:t>感想</a:t>
-            </a:r>
-          </a:p>
-        </p:txBody>
-      </p:sp>
-      <p:sp>
-        <p:nvSpPr>
-          <p:cNvPr id="3" name="コンテンツ プレースホルダー 2">
-            <a:extLst>
-              <a:ext uri="{FF2B5EF4-FFF2-40B4-BE49-F238E27FC236}">
-                <a16:creationId xmlns:a16="http://schemas.microsoft.com/office/drawing/2014/main" id="{01E6ED24-9FA9-4647-8A18-F9C438BBDF46}"/>
-              </a:ext>
-            </a:extLst>
-          </p:cNvPr>
-          <p:cNvSpPr>
-            <a:spLocks noGrp="1"/>
-          </p:cNvSpPr>
-          <p:nvPr>
-            <p:ph idx="1"/>
-          </p:nvPr>
-        </p:nvSpPr>
-        <p:spPr/>
-        <p:txBody>
-          <a:bodyPr/>
-          <a:lstStyle/>
-          <a:p>
-            <a:endParaRPr kumimoji="1" lang="ja-JP" altLang="en-US"/>
-          </a:p>
-        </p:txBody>
-      </p:sp>
+              <a:rPr lang="ja-JP" altLang="en-US" dirty="0"/>
+              <a:t>実行画面　（）を使用した四則演算</a:t>
+            </a:r>
+            <a:endParaRPr kumimoji="1" lang="ja-JP" altLang="en-US" dirty="0"/>
+          </a:p>
+        </p:txBody>
+      </p:sp>
+      <p:pic>
+        <p:nvPicPr>
+          <p:cNvPr id="14" name="図 13" descr="壁, クロスワード パズル が含まれている画像&#10;&#10;高い精度で生成された説明">
+            <a:extLst>
+              <a:ext uri="{FF2B5EF4-FFF2-40B4-BE49-F238E27FC236}">
+                <a16:creationId xmlns:a16="http://schemas.microsoft.com/office/drawing/2014/main" id="{027DBC4B-B5E9-4608-8BCC-16841859AA87}"/>
+              </a:ext>
+            </a:extLst>
+          </p:cNvPr>
+          <p:cNvPicPr>
+            <a:picLocks noChangeAspect="1"/>
+          </p:cNvPicPr>
+          <p:nvPr/>
+        </p:nvPicPr>
+        <p:blipFill>
+          <a:blip r:embed="rId2">
+            <a:extLst>
+              <a:ext uri="{28A0092B-C50C-407E-A947-70E740481C1C}">
+                <a14:useLocalDpi xmlns:a14="http://schemas.microsoft.com/office/drawing/2010/main" val="0"/>
+              </a:ext>
+            </a:extLst>
+          </a:blip>
+          <a:stretch>
+            <a:fillRect/>
+          </a:stretch>
+        </p:blipFill>
+        <p:spPr>
+          <a:xfrm>
+            <a:off x="6096000" y="2004754"/>
+            <a:ext cx="4348238" cy="4011402"/>
+          </a:xfrm>
+          <a:prstGeom prst="rect">
+            <a:avLst/>
+          </a:prstGeom>
+        </p:spPr>
+      </p:pic>
+      <p:pic>
+        <p:nvPicPr>
+          <p:cNvPr id="16" name="図 15" descr="壁, クロスワード パズル, 窓 が含まれている画像&#10;&#10;非常に高い精度で生成された説明">
+            <a:extLst>
+              <a:ext uri="{FF2B5EF4-FFF2-40B4-BE49-F238E27FC236}">
+                <a16:creationId xmlns:a16="http://schemas.microsoft.com/office/drawing/2014/main" id="{123CC218-F906-426D-85B8-19D9FA42628A}"/>
+              </a:ext>
+            </a:extLst>
+          </p:cNvPr>
+          <p:cNvPicPr>
+            <a:picLocks noChangeAspect="1"/>
+          </p:cNvPicPr>
+          <p:nvPr/>
+        </p:nvPicPr>
+        <p:blipFill>
+          <a:blip r:embed="rId3">
+            <a:extLst>
+              <a:ext uri="{28A0092B-C50C-407E-A947-70E740481C1C}">
+                <a14:useLocalDpi xmlns:a14="http://schemas.microsoft.com/office/drawing/2010/main" val="0"/>
+              </a:ext>
+            </a:extLst>
+          </a:blip>
+          <a:stretch>
+            <a:fillRect/>
+          </a:stretch>
+        </p:blipFill>
+        <p:spPr>
+          <a:xfrm>
+            <a:off x="838200" y="2004754"/>
+            <a:ext cx="4345685" cy="4011402"/>
+          </a:xfrm>
+          <a:prstGeom prst="rect">
+            <a:avLst/>
+          </a:prstGeom>
+        </p:spPr>
+      </p:pic>
     </p:spTree>
     <p:extLst>
       <p:ext uri="{BB962C8B-B14F-4D97-AF65-F5344CB8AC3E}">
-        <p14:creationId xmlns:p14="http://schemas.microsoft.com/office/powerpoint/2010/main" val="680256728"/>
+        <p14:creationId xmlns:p14="http://schemas.microsoft.com/office/powerpoint/2010/main" val="578402763"/>
+      </p:ext>
+    </p:extLst>
+  </p:cSld>
+  <p:clrMapOvr>
+    <a:masterClrMapping/>
+  </p:clrMapOvr>
+</p:sld>
+</file>
+
+<file path=ppt/slides/slide7.xml><?xml version="1.0" encoding="utf-8"?>
+<p:sld xmlns:a="http://schemas.openxmlformats.org/drawingml/2006/main" xmlns:r="http://schemas.openxmlformats.org/officeDocument/2006/relationships" xmlns:p="http://schemas.openxmlformats.org/presentationml/2006/main">
+  <p:cSld>
+    <p:spTree>
+      <p:nvGrpSpPr>
+        <p:cNvPr id="1" name=""/>
+        <p:cNvGrpSpPr/>
+        <p:nvPr/>
+      </p:nvGrpSpPr>
+      <p:grpSpPr>
+        <a:xfrm>
+          <a:off x="0" y="0"/>
+          <a:ext cx="0" cy="0"/>
+          <a:chOff x="0" y="0"/>
+          <a:chExt cx="0" cy="0"/>
+        </a:xfrm>
+      </p:grpSpPr>
+      <p:sp>
+        <p:nvSpPr>
+          <p:cNvPr id="2" name="タイトル 1">
+            <a:extLst>
+              <a:ext uri="{FF2B5EF4-FFF2-40B4-BE49-F238E27FC236}">
+                <a16:creationId xmlns:a16="http://schemas.microsoft.com/office/drawing/2014/main" id="{0660DEE5-5E01-4E2F-AB8B-2A52D8BCCD8D}"/>
+              </a:ext>
+            </a:extLst>
+          </p:cNvPr>
+          <p:cNvSpPr>
+            <a:spLocks noGrp="1"/>
+          </p:cNvSpPr>
+          <p:nvPr>
+            <p:ph type="title"/>
+          </p:nvPr>
+        </p:nvSpPr>
+        <p:spPr/>
+        <p:txBody>
+          <a:bodyPr/>
+          <a:lstStyle/>
+          <a:p>
+            <a:r>
+              <a:rPr lang="ja-JP" altLang="en-US" dirty="0"/>
+              <a:t>実行画面　三角関数を使用した四則演算</a:t>
+            </a:r>
+            <a:endParaRPr kumimoji="1" lang="ja-JP" altLang="en-US" dirty="0"/>
+          </a:p>
+        </p:txBody>
+      </p:sp>
+      <p:pic>
+        <p:nvPicPr>
+          <p:cNvPr id="5" name="コンテンツ プレースホルダー 4" descr="壁, 電子機器 が含まれている画像&#10;&#10;高い精度で生成された説明">
+            <a:extLst>
+              <a:ext uri="{FF2B5EF4-FFF2-40B4-BE49-F238E27FC236}">
+                <a16:creationId xmlns:a16="http://schemas.microsoft.com/office/drawing/2014/main" id="{C232BE8E-E365-4849-BB50-1E057D2BC6F8}"/>
+              </a:ext>
+            </a:extLst>
+          </p:cNvPr>
+          <p:cNvPicPr>
+            <a:picLocks noGrp="1" noChangeAspect="1"/>
+          </p:cNvPicPr>
+          <p:nvPr>
+            <p:ph idx="1"/>
+          </p:nvPr>
+        </p:nvPicPr>
+        <p:blipFill>
+          <a:blip r:embed="rId2">
+            <a:extLst>
+              <a:ext uri="{28A0092B-C50C-407E-A947-70E740481C1C}">
+                <a14:useLocalDpi xmlns:a14="http://schemas.microsoft.com/office/drawing/2010/main" val="0"/>
+              </a:ext>
+            </a:extLst>
+          </a:blip>
+          <a:stretch>
+            <a:fillRect/>
+          </a:stretch>
+        </p:blipFill>
+        <p:spPr>
+          <a:xfrm>
+            <a:off x="8269415" y="1514475"/>
+            <a:ext cx="2695575" cy="2524125"/>
+          </a:xfrm>
+        </p:spPr>
+      </p:pic>
+      <p:pic>
+        <p:nvPicPr>
+          <p:cNvPr id="7" name="図 6" descr="壁 が含まれている画像&#10;&#10;非常に高い精度で生成された説明">
+            <a:extLst>
+              <a:ext uri="{FF2B5EF4-FFF2-40B4-BE49-F238E27FC236}">
+                <a16:creationId xmlns:a16="http://schemas.microsoft.com/office/drawing/2014/main" id="{8969D851-F007-4522-8C79-3CF3CCCE72F7}"/>
+              </a:ext>
+            </a:extLst>
+          </p:cNvPr>
+          <p:cNvPicPr>
+            <a:picLocks noChangeAspect="1"/>
+          </p:cNvPicPr>
+          <p:nvPr/>
+        </p:nvPicPr>
+        <p:blipFill>
+          <a:blip r:embed="rId3">
+            <a:extLst>
+              <a:ext uri="{28A0092B-C50C-407E-A947-70E740481C1C}">
+                <a14:useLocalDpi xmlns:a14="http://schemas.microsoft.com/office/drawing/2010/main" val="0"/>
+              </a:ext>
+            </a:extLst>
+          </a:blip>
+          <a:stretch>
+            <a:fillRect/>
+          </a:stretch>
+        </p:blipFill>
+        <p:spPr>
+          <a:xfrm>
+            <a:off x="8276653" y="4241863"/>
+            <a:ext cx="2705100" cy="2505075"/>
+          </a:xfrm>
+          <a:prstGeom prst="rect">
+            <a:avLst/>
+          </a:prstGeom>
+        </p:spPr>
+      </p:pic>
+      <p:pic>
+        <p:nvPicPr>
+          <p:cNvPr id="9" name="図 8" descr="壁, 電子機器, 空 が含まれている画像&#10;&#10;高い精度で生成された説明">
+            <a:extLst>
+              <a:ext uri="{FF2B5EF4-FFF2-40B4-BE49-F238E27FC236}">
+                <a16:creationId xmlns:a16="http://schemas.microsoft.com/office/drawing/2014/main" id="{C835C0BA-2607-4229-B669-A89EB864C262}"/>
+              </a:ext>
+            </a:extLst>
+          </p:cNvPr>
+          <p:cNvPicPr>
+            <a:picLocks noChangeAspect="1"/>
+          </p:cNvPicPr>
+          <p:nvPr/>
+        </p:nvPicPr>
+        <p:blipFill>
+          <a:blip r:embed="rId4">
+            <a:extLst>
+              <a:ext uri="{28A0092B-C50C-407E-A947-70E740481C1C}">
+                <a14:useLocalDpi xmlns:a14="http://schemas.microsoft.com/office/drawing/2010/main" val="0"/>
+              </a:ext>
+            </a:extLst>
+          </a:blip>
+          <a:stretch>
+            <a:fillRect/>
+          </a:stretch>
+        </p:blipFill>
+        <p:spPr>
+          <a:xfrm>
+            <a:off x="1131760" y="1481138"/>
+            <a:ext cx="2790825" cy="2590800"/>
+          </a:xfrm>
+          <a:prstGeom prst="rect">
+            <a:avLst/>
+          </a:prstGeom>
+        </p:spPr>
+      </p:pic>
+      <p:pic>
+        <p:nvPicPr>
+          <p:cNvPr id="11" name="図 10" descr="壁, クロスワード パズル が含まれている画像&#10;&#10;非常に高い精度で生成された説明">
+            <a:extLst>
+              <a:ext uri="{FF2B5EF4-FFF2-40B4-BE49-F238E27FC236}">
+                <a16:creationId xmlns:a16="http://schemas.microsoft.com/office/drawing/2014/main" id="{0BAB2187-1494-4700-A8D4-75867AEA681A}"/>
+              </a:ext>
+            </a:extLst>
+          </p:cNvPr>
+          <p:cNvPicPr>
+            <a:picLocks noChangeAspect="1"/>
+          </p:cNvPicPr>
+          <p:nvPr/>
+        </p:nvPicPr>
+        <p:blipFill>
+          <a:blip r:embed="rId5">
+            <a:extLst>
+              <a:ext uri="{28A0092B-C50C-407E-A947-70E740481C1C}">
+                <a14:useLocalDpi xmlns:a14="http://schemas.microsoft.com/office/drawing/2010/main" val="0"/>
+              </a:ext>
+            </a:extLst>
+          </a:blip>
+          <a:stretch>
+            <a:fillRect/>
+          </a:stretch>
+        </p:blipFill>
+        <p:spPr>
+          <a:xfrm>
+            <a:off x="1210247" y="4241863"/>
+            <a:ext cx="2714625" cy="2505075"/>
+          </a:xfrm>
+          <a:prstGeom prst="rect">
+            <a:avLst/>
+          </a:prstGeom>
+        </p:spPr>
+      </p:pic>
+      <p:pic>
+        <p:nvPicPr>
+          <p:cNvPr id="13" name="図 12" descr="壁, 電子機器 が含まれている画像&#10;&#10;高い精度で生成された説明">
+            <a:extLst>
+              <a:ext uri="{FF2B5EF4-FFF2-40B4-BE49-F238E27FC236}">
+                <a16:creationId xmlns:a16="http://schemas.microsoft.com/office/drawing/2014/main" id="{CD876FA5-7003-4A27-B500-3379D4B74CAE}"/>
+              </a:ext>
+            </a:extLst>
+          </p:cNvPr>
+          <p:cNvPicPr>
+            <a:picLocks noChangeAspect="1"/>
+          </p:cNvPicPr>
+          <p:nvPr/>
+        </p:nvPicPr>
+        <p:blipFill>
+          <a:blip r:embed="rId6">
+            <a:extLst>
+              <a:ext uri="{28A0092B-C50C-407E-A947-70E740481C1C}">
+                <a14:useLocalDpi xmlns:a14="http://schemas.microsoft.com/office/drawing/2010/main" val="0"/>
+              </a:ext>
+            </a:extLst>
+          </a:blip>
+          <a:stretch>
+            <a:fillRect/>
+          </a:stretch>
+        </p:blipFill>
+        <p:spPr>
+          <a:xfrm>
+            <a:off x="4743450" y="1519238"/>
+            <a:ext cx="2705100" cy="2514600"/>
+          </a:xfrm>
+          <a:prstGeom prst="rect">
+            <a:avLst/>
+          </a:prstGeom>
+        </p:spPr>
+      </p:pic>
+      <p:pic>
+        <p:nvPicPr>
+          <p:cNvPr id="15" name="図 14" descr="壁, クロスワード パズル, 空, 窓 が含まれている画像&#10;&#10;高い精度で生成された説明">
+            <a:extLst>
+              <a:ext uri="{FF2B5EF4-FFF2-40B4-BE49-F238E27FC236}">
+                <a16:creationId xmlns:a16="http://schemas.microsoft.com/office/drawing/2014/main" id="{8A4BAB61-22DF-47D0-958D-A67710C2AC19}"/>
+              </a:ext>
+            </a:extLst>
+          </p:cNvPr>
+          <p:cNvPicPr>
+            <a:picLocks noChangeAspect="1"/>
+          </p:cNvPicPr>
+          <p:nvPr/>
+        </p:nvPicPr>
+        <p:blipFill>
+          <a:blip r:embed="rId7">
+            <a:extLst>
+              <a:ext uri="{28A0092B-C50C-407E-A947-70E740481C1C}">
+                <a14:useLocalDpi xmlns:a14="http://schemas.microsoft.com/office/drawing/2010/main" val="0"/>
+              </a:ext>
+            </a:extLst>
+          </a:blip>
+          <a:stretch>
+            <a:fillRect/>
+          </a:stretch>
+        </p:blipFill>
+        <p:spPr>
+          <a:xfrm>
+            <a:off x="4743450" y="4215384"/>
+            <a:ext cx="2705100" cy="2514600"/>
+          </a:xfrm>
+          <a:prstGeom prst="rect">
+            <a:avLst/>
+          </a:prstGeom>
+        </p:spPr>
+      </p:pic>
+    </p:spTree>
+    <p:extLst>
+      <p:ext uri="{BB962C8B-B14F-4D97-AF65-F5344CB8AC3E}">
+        <p14:creationId xmlns:p14="http://schemas.microsoft.com/office/powerpoint/2010/main" val="4045313989"/>
+      </p:ext>
+    </p:extLst>
+  </p:cSld>
+  <p:clrMapOvr>
+    <a:masterClrMapping/>
+  </p:clrMapOvr>
+</p:sld>
+</file>
+
+<file path=ppt/slides/slide8.xml><?xml version="1.0" encoding="utf-8"?>
+<p:sld xmlns:a="http://schemas.openxmlformats.org/drawingml/2006/main" xmlns:r="http://schemas.openxmlformats.org/officeDocument/2006/relationships" xmlns:p="http://schemas.openxmlformats.org/presentationml/2006/main">
+  <p:cSld>
+    <p:spTree>
+      <p:nvGrpSpPr>
+        <p:cNvPr id="1" name=""/>
+        <p:cNvGrpSpPr/>
+        <p:nvPr/>
+      </p:nvGrpSpPr>
+      <p:grpSpPr>
+        <a:xfrm>
+          <a:off x="0" y="0"/>
+          <a:ext cx="0" cy="0"/>
+          <a:chOff x="0" y="0"/>
+          <a:chExt cx="0" cy="0"/>
+        </a:xfrm>
+      </p:grpSpPr>
+      <p:sp>
+        <p:nvSpPr>
+          <p:cNvPr id="2" name="タイトル 1">
+            <a:extLst>
+              <a:ext uri="{FF2B5EF4-FFF2-40B4-BE49-F238E27FC236}">
+                <a16:creationId xmlns:a16="http://schemas.microsoft.com/office/drawing/2014/main" id="{88411CE2-A798-45B9-AA78-BADA5D4C8D2A}"/>
+              </a:ext>
+            </a:extLst>
+          </p:cNvPr>
+          <p:cNvSpPr>
+            <a:spLocks noGrp="1"/>
+          </p:cNvSpPr>
+          <p:nvPr>
+            <p:ph type="title"/>
+          </p:nvPr>
+        </p:nvSpPr>
+        <p:spPr/>
+        <p:txBody>
+          <a:bodyPr/>
+          <a:lstStyle/>
+          <a:p>
+            <a:r>
+              <a:rPr lang="ja-JP" altLang="en-US" dirty="0"/>
+              <a:t>実行画面　√を使用した計算</a:t>
+            </a:r>
+            <a:endParaRPr kumimoji="1" lang="ja-JP" altLang="en-US" dirty="0"/>
+          </a:p>
+        </p:txBody>
+      </p:sp>
+      <p:pic>
+        <p:nvPicPr>
+          <p:cNvPr id="5" name="コンテンツ プレースホルダー 4" descr="壁, 空, クロスワード パズル, 電子機器 が含まれている画像&#10;&#10;高い精度で生成された説明">
+            <a:extLst>
+              <a:ext uri="{FF2B5EF4-FFF2-40B4-BE49-F238E27FC236}">
+                <a16:creationId xmlns:a16="http://schemas.microsoft.com/office/drawing/2014/main" id="{152D9B22-8DC8-4077-AD69-98BB59A4CA4F}"/>
+              </a:ext>
+            </a:extLst>
+          </p:cNvPr>
+          <p:cNvPicPr>
+            <a:picLocks noGrp="1" noChangeAspect="1"/>
+          </p:cNvPicPr>
+          <p:nvPr>
+            <p:ph idx="1"/>
+          </p:nvPr>
+        </p:nvPicPr>
+        <p:blipFill>
+          <a:blip r:embed="rId2">
+            <a:extLst>
+              <a:ext uri="{28A0092B-C50C-407E-A947-70E740481C1C}">
+                <a14:useLocalDpi xmlns:a14="http://schemas.microsoft.com/office/drawing/2010/main" val="0"/>
+              </a:ext>
+            </a:extLst>
+          </a:blip>
+          <a:stretch>
+            <a:fillRect/>
+          </a:stretch>
+        </p:blipFill>
+        <p:spPr>
+          <a:xfrm>
+            <a:off x="6096000" y="1690687"/>
+            <a:ext cx="4011740" cy="3715097"/>
+          </a:xfrm>
+        </p:spPr>
+      </p:pic>
+      <p:pic>
+        <p:nvPicPr>
+          <p:cNvPr id="7" name="図 6" descr="壁, 窓 が含まれている画像&#10;&#10;高い精度で生成された説明">
+            <a:extLst>
+              <a:ext uri="{FF2B5EF4-FFF2-40B4-BE49-F238E27FC236}">
+                <a16:creationId xmlns:a16="http://schemas.microsoft.com/office/drawing/2014/main" id="{CFE54D2F-7687-45E1-9506-32D5BC652339}"/>
+              </a:ext>
+            </a:extLst>
+          </p:cNvPr>
+          <p:cNvPicPr>
+            <a:picLocks noChangeAspect="1"/>
+          </p:cNvPicPr>
+          <p:nvPr/>
+        </p:nvPicPr>
+        <p:blipFill>
+          <a:blip r:embed="rId3">
+            <a:extLst>
+              <a:ext uri="{28A0092B-C50C-407E-A947-70E740481C1C}">
+                <a14:useLocalDpi xmlns:a14="http://schemas.microsoft.com/office/drawing/2010/main" val="0"/>
+              </a:ext>
+            </a:extLst>
+          </a:blip>
+          <a:stretch>
+            <a:fillRect/>
+          </a:stretch>
+        </p:blipFill>
+        <p:spPr>
+          <a:xfrm>
+            <a:off x="1461230" y="1690687"/>
+            <a:ext cx="4011740" cy="3742401"/>
+          </a:xfrm>
+          <a:prstGeom prst="rect">
+            <a:avLst/>
+          </a:prstGeom>
+        </p:spPr>
+      </p:pic>
+    </p:spTree>
+    <p:extLst>
+      <p:ext uri="{BB962C8B-B14F-4D97-AF65-F5344CB8AC3E}">
+        <p14:creationId xmlns:p14="http://schemas.microsoft.com/office/powerpoint/2010/main" val="20912892"/>
+      </p:ext>
+    </p:extLst>
+  </p:cSld>
+  <p:clrMapOvr>
+    <a:masterClrMapping/>
+  </p:clrMapOvr>
+</p:sld>
+</file>
+
+<file path=ppt/slides/slide9.xml><?xml version="1.0" encoding="utf-8"?>
+<p:sld xmlns:a="http://schemas.openxmlformats.org/drawingml/2006/main" xmlns:r="http://schemas.openxmlformats.org/officeDocument/2006/relationships" xmlns:p="http://schemas.openxmlformats.org/presentationml/2006/main">
+  <p:cSld>
+    <p:spTree>
+      <p:nvGrpSpPr>
+        <p:cNvPr id="1" name=""/>
+        <p:cNvGrpSpPr/>
+        <p:nvPr/>
+      </p:nvGrpSpPr>
+      <p:grpSpPr>
+        <a:xfrm>
+          <a:off x="0" y="0"/>
+          <a:ext cx="0" cy="0"/>
+          <a:chOff x="0" y="0"/>
+          <a:chExt cx="0" cy="0"/>
+        </a:xfrm>
+      </p:grpSpPr>
+      <p:sp>
+        <p:nvSpPr>
+          <p:cNvPr id="2" name="タイトル 1">
+            <a:extLst>
+              <a:ext uri="{FF2B5EF4-FFF2-40B4-BE49-F238E27FC236}">
+                <a16:creationId xmlns:a16="http://schemas.microsoft.com/office/drawing/2014/main" id="{C01016EB-951B-42C0-A9DE-263B6D4B6631}"/>
+              </a:ext>
+            </a:extLst>
+          </p:cNvPr>
+          <p:cNvSpPr>
+            <a:spLocks noGrp="1"/>
+          </p:cNvSpPr>
+          <p:nvPr>
+            <p:ph type="title"/>
+          </p:nvPr>
+        </p:nvSpPr>
+        <p:spPr>
+          <a:xfrm>
+            <a:off x="838200" y="182245"/>
+            <a:ext cx="10515600" cy="1325563"/>
+          </a:xfrm>
+        </p:spPr>
+        <p:txBody>
+          <a:bodyPr/>
+          <a:lstStyle/>
+          <a:p>
+            <a:r>
+              <a:rPr lang="ja-JP" altLang="en-US" dirty="0"/>
+              <a:t>実行画面　</a:t>
+            </a:r>
+            <a:r>
+              <a:rPr lang="en-US" altLang="ja-JP" dirty="0"/>
+              <a:t>log</a:t>
+            </a:r>
+            <a:r>
+              <a:rPr lang="ja-JP" altLang="en-US" dirty="0"/>
+              <a:t>を使用した計算</a:t>
+            </a:r>
+            <a:endParaRPr kumimoji="1" lang="ja-JP" altLang="en-US" dirty="0"/>
+          </a:p>
+        </p:txBody>
+      </p:sp>
+      <p:pic>
+        <p:nvPicPr>
+          <p:cNvPr id="5" name="コンテンツ プレースホルダー 4" descr="電子機器 が含まれている画像&#10;&#10;高い精度で生成された説明">
+            <a:extLst>
+              <a:ext uri="{FF2B5EF4-FFF2-40B4-BE49-F238E27FC236}">
+                <a16:creationId xmlns:a16="http://schemas.microsoft.com/office/drawing/2014/main" id="{7920A28A-0EFD-4DA5-B3CF-7080C0BDB490}"/>
+              </a:ext>
+            </a:extLst>
+          </p:cNvPr>
+          <p:cNvPicPr>
+            <a:picLocks noGrp="1" noChangeAspect="1"/>
+          </p:cNvPicPr>
+          <p:nvPr>
+            <p:ph idx="1"/>
+          </p:nvPr>
+        </p:nvPicPr>
+        <p:blipFill>
+          <a:blip r:embed="rId2">
+            <a:extLst>
+              <a:ext uri="{28A0092B-C50C-407E-A947-70E740481C1C}">
+                <a14:useLocalDpi xmlns:a14="http://schemas.microsoft.com/office/drawing/2010/main" val="0"/>
+              </a:ext>
+            </a:extLst>
+          </a:blip>
+          <a:stretch>
+            <a:fillRect/>
+          </a:stretch>
+        </p:blipFill>
+        <p:spPr>
+          <a:xfrm>
+            <a:off x="1819132" y="1194002"/>
+            <a:ext cx="3459480" cy="2654098"/>
+          </a:xfrm>
+        </p:spPr>
+      </p:pic>
+      <p:pic>
+        <p:nvPicPr>
+          <p:cNvPr id="9" name="図 8" descr="電子機器 が含まれている画像&#10;&#10;非常に高い精度で生成された説明">
+            <a:extLst>
+              <a:ext uri="{FF2B5EF4-FFF2-40B4-BE49-F238E27FC236}">
+                <a16:creationId xmlns:a16="http://schemas.microsoft.com/office/drawing/2014/main" id="{ECD9188B-9B02-4A9E-9F63-AFE6F1081EF8}"/>
+              </a:ext>
+            </a:extLst>
+          </p:cNvPr>
+          <p:cNvPicPr>
+            <a:picLocks noChangeAspect="1"/>
+          </p:cNvPicPr>
+          <p:nvPr/>
+        </p:nvPicPr>
+        <p:blipFill>
+          <a:blip r:embed="rId3">
+            <a:extLst>
+              <a:ext uri="{28A0092B-C50C-407E-A947-70E740481C1C}">
+                <a14:useLocalDpi xmlns:a14="http://schemas.microsoft.com/office/drawing/2010/main" val="0"/>
+              </a:ext>
+            </a:extLst>
+          </a:blip>
+          <a:stretch>
+            <a:fillRect/>
+          </a:stretch>
+        </p:blipFill>
+        <p:spPr>
+          <a:xfrm>
+            <a:off x="1819132" y="3848100"/>
+            <a:ext cx="3305175" cy="3009900"/>
+          </a:xfrm>
+          <a:prstGeom prst="rect">
+            <a:avLst/>
+          </a:prstGeom>
+        </p:spPr>
+      </p:pic>
+      <p:pic>
+        <p:nvPicPr>
+          <p:cNvPr id="11" name="図 10" descr="電子機器, 写真 が含まれている画像&#10;&#10;高い精度で生成された説明">
+            <a:extLst>
+              <a:ext uri="{FF2B5EF4-FFF2-40B4-BE49-F238E27FC236}">
+                <a16:creationId xmlns:a16="http://schemas.microsoft.com/office/drawing/2014/main" id="{4BFD0477-8961-4E47-98FB-626438493512}"/>
+              </a:ext>
+            </a:extLst>
+          </p:cNvPr>
+          <p:cNvPicPr>
+            <a:picLocks noChangeAspect="1"/>
+          </p:cNvPicPr>
+          <p:nvPr/>
+        </p:nvPicPr>
+        <p:blipFill>
+          <a:blip r:embed="rId4">
+            <a:extLst>
+              <a:ext uri="{28A0092B-C50C-407E-A947-70E740481C1C}">
+                <a14:useLocalDpi xmlns:a14="http://schemas.microsoft.com/office/drawing/2010/main" val="0"/>
+              </a:ext>
+            </a:extLst>
+          </a:blip>
+          <a:stretch>
+            <a:fillRect/>
+          </a:stretch>
+        </p:blipFill>
+        <p:spPr>
+          <a:xfrm>
+            <a:off x="6259545" y="1187292"/>
+            <a:ext cx="3133725" cy="2981325"/>
+          </a:xfrm>
+          <a:prstGeom prst="rect">
+            <a:avLst/>
+          </a:prstGeom>
+        </p:spPr>
+      </p:pic>
+      <p:pic>
+        <p:nvPicPr>
+          <p:cNvPr id="13" name="図 12" descr="電子機器 が含まれている画像&#10;&#10;非常に高い精度で生成された説明">
+            <a:extLst>
+              <a:ext uri="{FF2B5EF4-FFF2-40B4-BE49-F238E27FC236}">
+                <a16:creationId xmlns:a16="http://schemas.microsoft.com/office/drawing/2014/main" id="{9070426F-68A5-4ABC-99A9-757B388ED183}"/>
+              </a:ext>
+            </a:extLst>
+          </p:cNvPr>
+          <p:cNvPicPr>
+            <a:picLocks noChangeAspect="1"/>
+          </p:cNvPicPr>
+          <p:nvPr/>
+        </p:nvPicPr>
+        <p:blipFill>
+          <a:blip r:embed="rId5">
+            <a:extLst>
+              <a:ext uri="{28A0092B-C50C-407E-A947-70E740481C1C}">
+                <a14:useLocalDpi xmlns:a14="http://schemas.microsoft.com/office/drawing/2010/main" val="0"/>
+              </a:ext>
+            </a:extLst>
+          </a:blip>
+          <a:stretch>
+            <a:fillRect/>
+          </a:stretch>
+        </p:blipFill>
+        <p:spPr>
+          <a:xfrm>
+            <a:off x="6259545" y="3848100"/>
+            <a:ext cx="3390900" cy="3009900"/>
+          </a:xfrm>
+          <a:prstGeom prst="rect">
+            <a:avLst/>
+          </a:prstGeom>
+        </p:spPr>
+      </p:pic>
+    </p:spTree>
+    <p:extLst>
+      <p:ext uri="{BB962C8B-B14F-4D97-AF65-F5344CB8AC3E}">
+        <p14:creationId xmlns:p14="http://schemas.microsoft.com/office/powerpoint/2010/main" val="123807189"/>
       </p:ext>
     </p:extLst>
   </p:cSld>

--- a/dentaku.pptx
+++ b/dentaku.pptx
@@ -3819,7 +3819,180 @@
           <a:bodyPr/>
           <a:lstStyle/>
           <a:p>
-            <a:endParaRPr kumimoji="1" lang="ja-JP" altLang="en-US"/>
+            <a:r>
+              <a:rPr kumimoji="1" lang="en-US" altLang="ja-JP" sz="2400" dirty="0"/>
+              <a:t>Web</a:t>
+            </a:r>
+            <a:r>
+              <a:rPr kumimoji="1" lang="ja-JP" altLang="en-US" sz="2400" dirty="0"/>
+              <a:t>アプリケーションを作成して、</a:t>
+            </a:r>
+            <a:r>
+              <a:rPr kumimoji="1" lang="en-US" altLang="ja-JP" sz="2400" b="1" dirty="0" err="1">
+                <a:solidFill>
+                  <a:srgbClr val="0070C0"/>
+                </a:solidFill>
+              </a:rPr>
+              <a:t>Javascript</a:t>
+            </a:r>
+            <a:r>
+              <a:rPr kumimoji="1" lang="ja-JP" altLang="en-US" sz="2400" dirty="0"/>
+              <a:t>に深く携わることができた。多くのメソッドがあり今まで使っていた</a:t>
+            </a:r>
+            <a:r>
+              <a:rPr lang="en-US" altLang="ja-JP" sz="2400" dirty="0"/>
+              <a:t>C</a:t>
+            </a:r>
+            <a:r>
+              <a:rPr lang="ja-JP" altLang="en-US" sz="2400" dirty="0"/>
+              <a:t>言語とは全く異なるものであったのでかなり苦労した。</a:t>
+            </a:r>
+            <a:endParaRPr lang="en-US" altLang="ja-JP" sz="2400" dirty="0"/>
+          </a:p>
+          <a:p>
+            <a:r>
+              <a:rPr kumimoji="1" lang="ja-JP" altLang="en-US" sz="2400" dirty="0"/>
+              <a:t>電卓を作成するうえで重視したのは</a:t>
+            </a:r>
+            <a:r>
+              <a:rPr kumimoji="1" lang="ja-JP" altLang="en-US" sz="2400" b="1" dirty="0">
+                <a:solidFill>
+                  <a:srgbClr val="0070C0"/>
+                </a:solidFill>
+              </a:rPr>
+              <a:t>機能面</a:t>
+            </a:r>
+            <a:r>
+              <a:rPr kumimoji="1" lang="ja-JP" altLang="en-US" sz="2400" dirty="0"/>
+              <a:t>であったため</a:t>
+            </a:r>
+            <a:r>
+              <a:rPr kumimoji="1" lang="ja-JP" altLang="en-US" sz="2400" b="1" dirty="0">
+                <a:solidFill>
+                  <a:srgbClr val="0070C0"/>
+                </a:solidFill>
+              </a:rPr>
+              <a:t>デザイン面</a:t>
+            </a:r>
+            <a:r>
+              <a:rPr kumimoji="1" lang="ja-JP" altLang="en-US" sz="2400" dirty="0"/>
+              <a:t>がかなりシンプルなものになってしまった。次に何か作るときにはもうちょっと凝ったものを作りたい。また、機能面では</a:t>
+            </a:r>
+            <a:r>
+              <a:rPr kumimoji="1" lang="en-US" altLang="ja-JP" sz="2400" b="1" dirty="0" err="1">
+                <a:solidFill>
+                  <a:srgbClr val="0070C0"/>
+                </a:solidFill>
+              </a:rPr>
+              <a:t>Javascript</a:t>
+            </a:r>
+            <a:r>
+              <a:rPr kumimoji="1" lang="ja-JP" altLang="en-US" sz="2400" dirty="0"/>
+              <a:t>に実装されている</a:t>
+            </a:r>
+            <a:r>
+              <a:rPr kumimoji="1" lang="en-US" altLang="ja-JP" sz="2400" b="1" dirty="0">
+                <a:solidFill>
+                  <a:srgbClr val="0070C0"/>
+                </a:solidFill>
+              </a:rPr>
+              <a:t>Math</a:t>
+            </a:r>
+            <a:r>
+              <a:rPr kumimoji="1" lang="ja-JP" altLang="en-US" sz="2400" dirty="0"/>
+              <a:t>メソッドを用いていくつか作ってみた。</a:t>
+            </a:r>
+            <a:r>
+              <a:rPr lang="ja-JP" altLang="en-US" sz="2400" u="sng" dirty="0">
+                <a:solidFill>
+                  <a:srgbClr val="FF0000"/>
+                </a:solidFill>
+              </a:rPr>
+              <a:t>多項式の実装では＋－と</a:t>
+            </a:r>
+            <a:r>
+              <a:rPr lang="en-US" altLang="ja-JP" sz="2400" u="sng" dirty="0">
+                <a:solidFill>
+                  <a:srgbClr val="FF0000"/>
+                </a:solidFill>
+              </a:rPr>
+              <a:t>×÷</a:t>
+            </a:r>
+            <a:r>
+              <a:rPr lang="ja-JP" altLang="en-US" sz="2400" u="sng" dirty="0">
+                <a:solidFill>
+                  <a:srgbClr val="FF0000"/>
+                </a:solidFill>
+              </a:rPr>
+              <a:t>の演算での優先度に注意して作成した</a:t>
+            </a:r>
+            <a:r>
+              <a:rPr lang="ja-JP" altLang="en-US" sz="2400" dirty="0"/>
+              <a:t>。また、</a:t>
+            </a:r>
+            <a:r>
+              <a:rPr lang="en-US" altLang="ja-JP" sz="2400" u="sng" dirty="0">
+                <a:solidFill>
+                  <a:srgbClr val="FF0000"/>
+                </a:solidFill>
+              </a:rPr>
+              <a:t>()</a:t>
+            </a:r>
+            <a:r>
+              <a:rPr lang="ja-JP" altLang="en-US" sz="2400" u="sng" dirty="0">
+                <a:solidFill>
+                  <a:srgbClr val="FF0000"/>
+                </a:solidFill>
+              </a:rPr>
+              <a:t>を搭載することでかなり演算が幅広く行える</a:t>
+            </a:r>
+            <a:r>
+              <a:rPr lang="ja-JP" altLang="en-US" sz="2400" dirty="0"/>
+              <a:t>ようになった。</a:t>
+            </a:r>
+            <a:endParaRPr lang="en-US" altLang="ja-JP" sz="2400" dirty="0"/>
+          </a:p>
+          <a:p>
+            <a:r>
+              <a:rPr lang="ja-JP" altLang="en-US" sz="2400" dirty="0"/>
+              <a:t>残念であるのが、</a:t>
+            </a:r>
+            <a:r>
+              <a:rPr lang="en-US" altLang="ja-JP" sz="2400" u="sng" dirty="0">
+                <a:solidFill>
+                  <a:srgbClr val="FF0000"/>
+                </a:solidFill>
+              </a:rPr>
+              <a:t>()</a:t>
+            </a:r>
+            <a:r>
+              <a:rPr lang="ja-JP" altLang="en-US" sz="2400" u="sng" dirty="0">
+                <a:solidFill>
+                  <a:srgbClr val="FF0000"/>
+                </a:solidFill>
+              </a:rPr>
+              <a:t>を多数含む計算に対応できなかったこと</a:t>
+            </a:r>
+            <a:r>
+              <a:rPr lang="ja-JP" altLang="en-US" sz="2400" dirty="0"/>
+              <a:t>である。また、他にも見つかっていないだけで</a:t>
+            </a:r>
+            <a:r>
+              <a:rPr lang="ja-JP" altLang="en-US" sz="2400" u="sng" dirty="0">
+                <a:solidFill>
+                  <a:srgbClr val="FF0000"/>
+                </a:solidFill>
+              </a:rPr>
+              <a:t>演算が不十分の可能性がある</a:t>
+            </a:r>
+            <a:r>
+              <a:rPr lang="ja-JP" altLang="en-US" sz="2400" dirty="0"/>
+              <a:t>。今回の演習を糧にできうる限り正確なものを作りたい。</a:t>
+            </a:r>
+            <a:endParaRPr lang="en-US" altLang="ja-JP" sz="2400" dirty="0"/>
+          </a:p>
+          <a:p>
+            <a:endParaRPr kumimoji="1" lang="en-US" altLang="ja-JP" dirty="0"/>
           </a:p>
         </p:txBody>
       </p:sp>
